--- a/Projektet/Designspecifikation/Sitemap_djupviken.pptx
+++ b/Projektet/Designspecifikation/Sitemap_djupviken.pptx
@@ -104,6 +104,11 @@
       </a:defRPr>
     </a:lvl9pPr>
   </p:defaultTextStyle>
+  <p:extLst>
+    <p:ext uri="{EFAFB233-063F-42B5-8137-9DF3F51BA10A}">
+      <p15:sldGuideLst xmlns:p15="http://schemas.microsoft.com/office/powerpoint/2012/main"/>
+    </p:ext>
+  </p:extLst>
 </p:presentation>
 </file>
 
@@ -256,7 +261,7 @@
           <a:p>
             <a:fld id="{617D1546-209F-4322-BDCF-08B98A0C2003}" type="datetimeFigureOut">
               <a:rPr lang="en-SE" smtClean="0"/>
-              <a:t>2021-07-23</a:t>
+              <a:t>2021-07-25</a:t>
             </a:fld>
             <a:endParaRPr lang="en-SE"/>
           </a:p>
@@ -456,7 +461,7 @@
           <a:p>
             <a:fld id="{617D1546-209F-4322-BDCF-08B98A0C2003}" type="datetimeFigureOut">
               <a:rPr lang="en-SE" smtClean="0"/>
-              <a:t>2021-07-23</a:t>
+              <a:t>2021-07-25</a:t>
             </a:fld>
             <a:endParaRPr lang="en-SE"/>
           </a:p>
@@ -666,7 +671,7 @@
           <a:p>
             <a:fld id="{617D1546-209F-4322-BDCF-08B98A0C2003}" type="datetimeFigureOut">
               <a:rPr lang="en-SE" smtClean="0"/>
-              <a:t>2021-07-23</a:t>
+              <a:t>2021-07-25</a:t>
             </a:fld>
             <a:endParaRPr lang="en-SE"/>
           </a:p>
@@ -866,7 +871,7 @@
           <a:p>
             <a:fld id="{617D1546-209F-4322-BDCF-08B98A0C2003}" type="datetimeFigureOut">
               <a:rPr lang="en-SE" smtClean="0"/>
-              <a:t>2021-07-23</a:t>
+              <a:t>2021-07-25</a:t>
             </a:fld>
             <a:endParaRPr lang="en-SE"/>
           </a:p>
@@ -1142,7 +1147,7 @@
           <a:p>
             <a:fld id="{617D1546-209F-4322-BDCF-08B98A0C2003}" type="datetimeFigureOut">
               <a:rPr lang="en-SE" smtClean="0"/>
-              <a:t>2021-07-23</a:t>
+              <a:t>2021-07-25</a:t>
             </a:fld>
             <a:endParaRPr lang="en-SE"/>
           </a:p>
@@ -1410,7 +1415,7 @@
           <a:p>
             <a:fld id="{617D1546-209F-4322-BDCF-08B98A0C2003}" type="datetimeFigureOut">
               <a:rPr lang="en-SE" smtClean="0"/>
-              <a:t>2021-07-23</a:t>
+              <a:t>2021-07-25</a:t>
             </a:fld>
             <a:endParaRPr lang="en-SE"/>
           </a:p>
@@ -1825,7 +1830,7 @@
           <a:p>
             <a:fld id="{617D1546-209F-4322-BDCF-08B98A0C2003}" type="datetimeFigureOut">
               <a:rPr lang="en-SE" smtClean="0"/>
-              <a:t>2021-07-23</a:t>
+              <a:t>2021-07-25</a:t>
             </a:fld>
             <a:endParaRPr lang="en-SE"/>
           </a:p>
@@ -1967,7 +1972,7 @@
           <a:p>
             <a:fld id="{617D1546-209F-4322-BDCF-08B98A0C2003}" type="datetimeFigureOut">
               <a:rPr lang="en-SE" smtClean="0"/>
-              <a:t>2021-07-23</a:t>
+              <a:t>2021-07-25</a:t>
             </a:fld>
             <a:endParaRPr lang="en-SE"/>
           </a:p>
@@ -2080,7 +2085,7 @@
           <a:p>
             <a:fld id="{617D1546-209F-4322-BDCF-08B98A0C2003}" type="datetimeFigureOut">
               <a:rPr lang="en-SE" smtClean="0"/>
-              <a:t>2021-07-23</a:t>
+              <a:t>2021-07-25</a:t>
             </a:fld>
             <a:endParaRPr lang="en-SE"/>
           </a:p>
@@ -2393,7 +2398,7 @@
           <a:p>
             <a:fld id="{617D1546-209F-4322-BDCF-08B98A0C2003}" type="datetimeFigureOut">
               <a:rPr lang="en-SE" smtClean="0"/>
-              <a:t>2021-07-23</a:t>
+              <a:t>2021-07-25</a:t>
             </a:fld>
             <a:endParaRPr lang="en-SE"/>
           </a:p>
@@ -2682,7 +2687,7 @@
           <a:p>
             <a:fld id="{617D1546-209F-4322-BDCF-08B98A0C2003}" type="datetimeFigureOut">
               <a:rPr lang="en-SE" smtClean="0"/>
-              <a:t>2021-07-23</a:t>
+              <a:t>2021-07-25</a:t>
             </a:fld>
             <a:endParaRPr lang="en-SE"/>
           </a:p>
@@ -2925,7 +2930,7 @@
           <a:p>
             <a:fld id="{617D1546-209F-4322-BDCF-08B98A0C2003}" type="datetimeFigureOut">
               <a:rPr lang="en-SE" smtClean="0"/>
-              <a:t>2021-07-23</a:t>
+              <a:t>2021-07-25</a:t>
             </a:fld>
             <a:endParaRPr lang="en-SE"/>
           </a:p>
@@ -3393,12 +3398,12 @@
           <a:p>
             <a:pPr algn="ctr"/>
             <a:r>
-              <a:rPr lang="en-GB" sz="1200" dirty="0" err="1">
+              <a:rPr lang="en-GB" sz="1200">
                 <a:solidFill>
                   <a:schemeClr val="tx1"/>
                 </a:solidFill>
               </a:rPr>
-              <a:t>Djupviken</a:t>
+              <a:t>Djupvik</a:t>
             </a:r>
             <a:endParaRPr lang="en-SE" sz="1200" dirty="0">
               <a:solidFill>
@@ -3464,7 +3469,7 @@
                   <a:schemeClr val="tx1"/>
                 </a:solidFill>
               </a:rPr>
-              <a:t>Gästplatser</a:t>
+              <a:t>Gästhamn</a:t>
             </a:r>
             <a:endParaRPr lang="en-SE" sz="1200" dirty="0">
               <a:solidFill>

--- a/Projektet/Designspecifikation/Sitemap_djupviken.pptx
+++ b/Projektet/Designspecifikation/Sitemap_djupviken.pptx
@@ -261,7 +261,7 @@
           <a:p>
             <a:fld id="{617D1546-209F-4322-BDCF-08B98A0C2003}" type="datetimeFigureOut">
               <a:rPr lang="en-SE" smtClean="0"/>
-              <a:t>2021-07-25</a:t>
+              <a:t>2021-08-13</a:t>
             </a:fld>
             <a:endParaRPr lang="en-SE"/>
           </a:p>
@@ -461,7 +461,7 @@
           <a:p>
             <a:fld id="{617D1546-209F-4322-BDCF-08B98A0C2003}" type="datetimeFigureOut">
               <a:rPr lang="en-SE" smtClean="0"/>
-              <a:t>2021-07-25</a:t>
+              <a:t>2021-08-13</a:t>
             </a:fld>
             <a:endParaRPr lang="en-SE"/>
           </a:p>
@@ -671,7 +671,7 @@
           <a:p>
             <a:fld id="{617D1546-209F-4322-BDCF-08B98A0C2003}" type="datetimeFigureOut">
               <a:rPr lang="en-SE" smtClean="0"/>
-              <a:t>2021-07-25</a:t>
+              <a:t>2021-08-13</a:t>
             </a:fld>
             <a:endParaRPr lang="en-SE"/>
           </a:p>
@@ -871,7 +871,7 @@
           <a:p>
             <a:fld id="{617D1546-209F-4322-BDCF-08B98A0C2003}" type="datetimeFigureOut">
               <a:rPr lang="en-SE" smtClean="0"/>
-              <a:t>2021-07-25</a:t>
+              <a:t>2021-08-13</a:t>
             </a:fld>
             <a:endParaRPr lang="en-SE"/>
           </a:p>
@@ -1147,7 +1147,7 @@
           <a:p>
             <a:fld id="{617D1546-209F-4322-BDCF-08B98A0C2003}" type="datetimeFigureOut">
               <a:rPr lang="en-SE" smtClean="0"/>
-              <a:t>2021-07-25</a:t>
+              <a:t>2021-08-13</a:t>
             </a:fld>
             <a:endParaRPr lang="en-SE"/>
           </a:p>
@@ -1415,7 +1415,7 @@
           <a:p>
             <a:fld id="{617D1546-209F-4322-BDCF-08B98A0C2003}" type="datetimeFigureOut">
               <a:rPr lang="en-SE" smtClean="0"/>
-              <a:t>2021-07-25</a:t>
+              <a:t>2021-08-13</a:t>
             </a:fld>
             <a:endParaRPr lang="en-SE"/>
           </a:p>
@@ -1830,7 +1830,7 @@
           <a:p>
             <a:fld id="{617D1546-209F-4322-BDCF-08B98A0C2003}" type="datetimeFigureOut">
               <a:rPr lang="en-SE" smtClean="0"/>
-              <a:t>2021-07-25</a:t>
+              <a:t>2021-08-13</a:t>
             </a:fld>
             <a:endParaRPr lang="en-SE"/>
           </a:p>
@@ -1972,7 +1972,7 @@
           <a:p>
             <a:fld id="{617D1546-209F-4322-BDCF-08B98A0C2003}" type="datetimeFigureOut">
               <a:rPr lang="en-SE" smtClean="0"/>
-              <a:t>2021-07-25</a:t>
+              <a:t>2021-08-13</a:t>
             </a:fld>
             <a:endParaRPr lang="en-SE"/>
           </a:p>
@@ -2085,7 +2085,7 @@
           <a:p>
             <a:fld id="{617D1546-209F-4322-BDCF-08B98A0C2003}" type="datetimeFigureOut">
               <a:rPr lang="en-SE" smtClean="0"/>
-              <a:t>2021-07-25</a:t>
+              <a:t>2021-08-13</a:t>
             </a:fld>
             <a:endParaRPr lang="en-SE"/>
           </a:p>
@@ -2398,7 +2398,7 @@
           <a:p>
             <a:fld id="{617D1546-209F-4322-BDCF-08B98A0C2003}" type="datetimeFigureOut">
               <a:rPr lang="en-SE" smtClean="0"/>
-              <a:t>2021-07-25</a:t>
+              <a:t>2021-08-13</a:t>
             </a:fld>
             <a:endParaRPr lang="en-SE"/>
           </a:p>
@@ -2687,7 +2687,7 @@
           <a:p>
             <a:fld id="{617D1546-209F-4322-BDCF-08B98A0C2003}" type="datetimeFigureOut">
               <a:rPr lang="en-SE" smtClean="0"/>
-              <a:t>2021-07-25</a:t>
+              <a:t>2021-08-13</a:t>
             </a:fld>
             <a:endParaRPr lang="en-SE"/>
           </a:p>
@@ -2930,7 +2930,7 @@
           <a:p>
             <a:fld id="{617D1546-209F-4322-BDCF-08B98A0C2003}" type="datetimeFigureOut">
               <a:rPr lang="en-SE" smtClean="0"/>
-              <a:t>2021-07-25</a:t>
+              <a:t>2021-08-13</a:t>
             </a:fld>
             <a:endParaRPr lang="en-SE"/>
           </a:p>
@@ -3361,7 +3361,7 @@
         </p:nvSpPr>
         <p:spPr>
           <a:xfrm>
-            <a:off x="4782262" y="1018849"/>
+            <a:off x="5634314" y="1018849"/>
             <a:ext cx="1136591" cy="598205"/>
           </a:xfrm>
           <a:prstGeom prst="rect">
@@ -3427,7 +3427,7 @@
         </p:nvSpPr>
         <p:spPr>
           <a:xfrm>
-            <a:off x="4782263" y="2052236"/>
+            <a:off x="5634316" y="2052236"/>
             <a:ext cx="1136591" cy="598205"/>
           </a:xfrm>
           <a:prstGeom prst="rect">
@@ -3493,7 +3493,7 @@
         </p:nvSpPr>
         <p:spPr>
           <a:xfrm>
-            <a:off x="3122954" y="2052234"/>
+            <a:off x="3975007" y="2052234"/>
             <a:ext cx="1136591" cy="598207"/>
           </a:xfrm>
           <a:prstGeom prst="rect">
@@ -3559,7 +3559,7 @@
         </p:nvSpPr>
         <p:spPr>
           <a:xfrm>
-            <a:off x="1463645" y="2052238"/>
+            <a:off x="2315698" y="2052238"/>
             <a:ext cx="1136591" cy="598202"/>
           </a:xfrm>
           <a:prstGeom prst="rect">
@@ -3625,7 +3625,7 @@
         </p:nvSpPr>
         <p:spPr>
           <a:xfrm>
-            <a:off x="6441572" y="2052235"/>
+            <a:off x="7293625" y="2052235"/>
             <a:ext cx="1136591" cy="598205"/>
           </a:xfrm>
           <a:prstGeom prst="rect">
@@ -3691,7 +3691,7 @@
         </p:nvSpPr>
         <p:spPr>
           <a:xfrm>
-            <a:off x="8100881" y="2052234"/>
+            <a:off x="8952934" y="2052234"/>
             <a:ext cx="1136591" cy="598205"/>
           </a:xfrm>
           <a:prstGeom prst="rect">
@@ -3757,7 +3757,7 @@
         </p:nvSpPr>
         <p:spPr>
           <a:xfrm>
-            <a:off x="9760190" y="2052234"/>
+            <a:off x="10612243" y="2052234"/>
             <a:ext cx="1136591" cy="598205"/>
           </a:xfrm>
           <a:prstGeom prst="rect">
@@ -3823,7 +3823,7 @@
         </p:nvSpPr>
         <p:spPr>
           <a:xfrm>
-            <a:off x="2258403" y="3307041"/>
+            <a:off x="683856" y="2052234"/>
             <a:ext cx="1136591" cy="598205"/>
           </a:xfrm>
           <a:prstGeom prst="rect">
@@ -3886,15 +3886,14 @@
           </p:cNvPr>
           <p:cNvCxnSpPr>
             <a:cxnSpLocks/>
-            <a:stCxn id="12" idx="2"/>
-            <a:endCxn id="17" idx="1"/>
+            <a:endCxn id="17" idx="0"/>
           </p:cNvCxnSpPr>
           <p:nvPr/>
         </p:nvCxnSpPr>
         <p:spPr>
-          <a:xfrm rot="16200000" flipH="1">
-            <a:off x="1667320" y="3015061"/>
-            <a:ext cx="955704" cy="226462"/>
+          <a:xfrm rot="10800000" flipV="1">
+            <a:off x="1252153" y="1834638"/>
+            <a:ext cx="4624881" cy="217596"/>
           </a:xfrm>
           <a:prstGeom prst="bentConnector2">
             <a:avLst/>
@@ -3937,7 +3936,7 @@
         </p:nvCxnSpPr>
         <p:spPr>
           <a:xfrm rot="5400000" flipH="1" flipV="1">
-            <a:off x="3582449" y="284132"/>
+            <a:off x="4434502" y="284132"/>
             <a:ext cx="217599" cy="3318615"/>
           </a:xfrm>
           <a:prstGeom prst="bentConnector2">
@@ -3981,7 +3980,7 @@
         </p:nvCxnSpPr>
         <p:spPr>
           <a:xfrm rot="5400000" flipH="1" flipV="1">
-            <a:off x="4412106" y="1113786"/>
+            <a:off x="5264159" y="1113786"/>
             <a:ext cx="217593" cy="1659304"/>
           </a:xfrm>
           <a:prstGeom prst="bentConnector2">
@@ -4025,7 +4024,7 @@
         </p:nvCxnSpPr>
         <p:spPr>
           <a:xfrm rot="16200000" flipV="1">
-            <a:off x="5241761" y="1943438"/>
+            <a:off x="6093814" y="1943438"/>
             <a:ext cx="217593" cy="4"/>
           </a:xfrm>
           <a:prstGeom prst="bentConnector3">
@@ -4069,7 +4068,7 @@
         </p:nvCxnSpPr>
         <p:spPr>
           <a:xfrm rot="16200000" flipV="1">
-            <a:off x="6071416" y="1113783"/>
+            <a:off x="6923469" y="1113783"/>
             <a:ext cx="217592" cy="1659312"/>
           </a:xfrm>
           <a:prstGeom prst="bentConnector2">
@@ -4113,7 +4112,7 @@
         </p:nvCxnSpPr>
         <p:spPr>
           <a:xfrm rot="16200000" flipV="1">
-            <a:off x="6901072" y="284129"/>
+            <a:off x="7753125" y="284129"/>
             <a:ext cx="217591" cy="3318620"/>
           </a:xfrm>
           <a:prstGeom prst="bentConnector2">
@@ -4157,7 +4156,7 @@
         </p:nvCxnSpPr>
         <p:spPr>
           <a:xfrm rot="16200000" flipV="1">
-            <a:off x="7730727" y="-545526"/>
+            <a:off x="8582780" y="-545526"/>
             <a:ext cx="217591" cy="4977929"/>
           </a:xfrm>
           <a:prstGeom prst="bentConnector2">
